--- a/商程期末報告PPT 2.pptx
+++ b/商程期末報告PPT 2.pptx
@@ -5,14 +5,16 @@
     <p:sldMasterId id="2147483648" r:id="rId1"/>
   </p:sldMasterIdLst>
   <p:notesMasterIdLst>
-    <p:notesMasterId r:id="rId7"/>
+    <p:notesMasterId r:id="rId9"/>
   </p:notesMasterIdLst>
   <p:sldIdLst>
     <p:sldId id="271" r:id="rId2"/>
-    <p:sldId id="277" r:id="rId3"/>
-    <p:sldId id="279" r:id="rId4"/>
-    <p:sldId id="260" r:id="rId5"/>
-    <p:sldId id="275" r:id="rId6"/>
+    <p:sldId id="280" r:id="rId3"/>
+    <p:sldId id="281" r:id="rId4"/>
+    <p:sldId id="277" r:id="rId5"/>
+    <p:sldId id="279" r:id="rId6"/>
+    <p:sldId id="260" r:id="rId7"/>
+    <p:sldId id="275" r:id="rId8"/>
   </p:sldIdLst>
   <p:sldSz cx="12192000" cy="6858000"/>
   <p:notesSz cx="6858000" cy="9144000"/>
@@ -212,7 +214,7 @@
           <a:p>
             <a:fld id="{81A7854E-B080-5D49-A51A-E2D52CB17730}" type="datetimeFigureOut">
               <a:rPr kumimoji="1" lang="zh-TW" altLang="en-US" smtClean="0"/>
-              <a:t>2019/6/9</a:t>
+              <a:t>2019/6/10</a:t>
             </a:fld>
             <a:endParaRPr kumimoji="1" lang="zh-TW" altLang="en-US"/>
           </a:p>
@@ -549,7 +551,7 @@
           <a:p>
             <a:fld id="{74846F61-3D0B-594E-98F3-BCF9E089C3A7}" type="slidenum">
               <a:rPr kumimoji="1" lang="zh-TW" altLang="en-US" smtClean="0"/>
-              <a:t>2</a:t>
+              <a:t>4</a:t>
             </a:fld>
             <a:endParaRPr kumimoji="1" lang="zh-TW" altLang="en-US"/>
           </a:p>
@@ -663,7 +665,7 @@
           <a:p>
             <a:fld id="{74846F61-3D0B-594E-98F3-BCF9E089C3A7}" type="slidenum">
               <a:rPr kumimoji="1" lang="zh-TW" altLang="en-US" smtClean="0"/>
-              <a:t>3</a:t>
+              <a:t>5</a:t>
             </a:fld>
             <a:endParaRPr kumimoji="1" lang="zh-TW" altLang="en-US"/>
           </a:p>
@@ -777,7 +779,7 @@
           <a:p>
             <a:fld id="{74846F61-3D0B-594E-98F3-BCF9E089C3A7}" type="slidenum">
               <a:rPr kumimoji="1" lang="zh-TW" altLang="en-US" smtClean="0"/>
-              <a:t>4</a:t>
+              <a:t>6</a:t>
             </a:fld>
             <a:endParaRPr kumimoji="1" lang="zh-TW" altLang="en-US"/>
           </a:p>
@@ -943,7 +945,7 @@
           <a:p>
             <a:fld id="{EEBD2F0E-7DCB-CC48-BEC7-2B687AF0D17A}" type="datetimeFigureOut">
               <a:rPr kumimoji="1" lang="zh-TW" altLang="en-US" smtClean="0"/>
-              <a:t>2019/6/9</a:t>
+              <a:t>2019/6/10</a:t>
             </a:fld>
             <a:endParaRPr kumimoji="1" lang="zh-TW" altLang="en-US"/>
           </a:p>
@@ -1285,7 +1287,7 @@
           <a:p>
             <a:fld id="{EEBD2F0E-7DCB-CC48-BEC7-2B687AF0D17A}" type="datetimeFigureOut">
               <a:rPr kumimoji="1" lang="zh-TW" altLang="en-US" smtClean="0"/>
-              <a:t>2019/6/9</a:t>
+              <a:t>2019/6/10</a:t>
             </a:fld>
             <a:endParaRPr kumimoji="1" lang="zh-TW" altLang="en-US"/>
           </a:p>
@@ -1468,7 +1470,7 @@
           <a:p>
             <a:fld id="{EEBD2F0E-7DCB-CC48-BEC7-2B687AF0D17A}" type="datetimeFigureOut">
               <a:rPr kumimoji="1" lang="zh-TW" altLang="en-US" smtClean="0"/>
-              <a:t>2019/6/9</a:t>
+              <a:t>2019/6/10</a:t>
             </a:fld>
             <a:endParaRPr kumimoji="1" lang="zh-TW" altLang="en-US"/>
           </a:p>
@@ -1641,7 +1643,7 @@
           <a:p>
             <a:fld id="{EEBD2F0E-7DCB-CC48-BEC7-2B687AF0D17A}" type="datetimeFigureOut">
               <a:rPr kumimoji="1" lang="zh-TW" altLang="en-US" smtClean="0"/>
-              <a:t>2019/6/9</a:t>
+              <a:t>2019/6/10</a:t>
             </a:fld>
             <a:endParaRPr kumimoji="1" lang="zh-TW" altLang="en-US"/>
           </a:p>
@@ -1919,7 +1921,7 @@
           <a:p>
             <a:fld id="{EEBD2F0E-7DCB-CC48-BEC7-2B687AF0D17A}" type="datetimeFigureOut">
               <a:rPr kumimoji="1" lang="zh-TW" altLang="en-US" smtClean="0"/>
-              <a:t>2019/6/9</a:t>
+              <a:t>2019/6/10</a:t>
             </a:fld>
             <a:endParaRPr kumimoji="1" lang="zh-TW" altLang="en-US"/>
           </a:p>
@@ -2134,7 +2136,7 @@
           <a:p>
             <a:fld id="{EEBD2F0E-7DCB-CC48-BEC7-2B687AF0D17A}" type="datetimeFigureOut">
               <a:rPr kumimoji="1" lang="zh-TW" altLang="en-US" smtClean="0"/>
-              <a:t>2019/6/9</a:t>
+              <a:t>2019/6/10</a:t>
             </a:fld>
             <a:endParaRPr kumimoji="1" lang="zh-TW" altLang="en-US"/>
           </a:p>
@@ -2502,7 +2504,7 @@
           <a:p>
             <a:fld id="{EEBD2F0E-7DCB-CC48-BEC7-2B687AF0D17A}" type="datetimeFigureOut">
               <a:rPr kumimoji="1" lang="zh-TW" altLang="en-US" smtClean="0"/>
-              <a:t>2019/6/9</a:t>
+              <a:t>2019/6/10</a:t>
             </a:fld>
             <a:endParaRPr kumimoji="1" lang="zh-TW" altLang="en-US"/>
           </a:p>
@@ -2643,7 +2645,7 @@
           <a:p>
             <a:fld id="{EEBD2F0E-7DCB-CC48-BEC7-2B687AF0D17A}" type="datetimeFigureOut">
               <a:rPr kumimoji="1" lang="zh-TW" altLang="en-US" smtClean="0"/>
-              <a:t>2019/6/9</a:t>
+              <a:t>2019/6/10</a:t>
             </a:fld>
             <a:endParaRPr kumimoji="1" lang="zh-TW" altLang="en-US"/>
           </a:p>
@@ -2756,7 +2758,7 @@
           <a:p>
             <a:fld id="{EEBD2F0E-7DCB-CC48-BEC7-2B687AF0D17A}" type="datetimeFigureOut">
               <a:rPr kumimoji="1" lang="zh-TW" altLang="en-US" smtClean="0"/>
-              <a:t>2019/6/9</a:t>
+              <a:t>2019/6/10</a:t>
             </a:fld>
             <a:endParaRPr kumimoji="1" lang="zh-TW" altLang="en-US"/>
           </a:p>
@@ -3045,7 +3047,7 @@
           <a:p>
             <a:fld id="{EEBD2F0E-7DCB-CC48-BEC7-2B687AF0D17A}" type="datetimeFigureOut">
               <a:rPr kumimoji="1" lang="zh-TW" altLang="en-US" smtClean="0"/>
-              <a:t>2019/6/9</a:t>
+              <a:t>2019/6/10</a:t>
             </a:fld>
             <a:endParaRPr kumimoji="1" lang="zh-TW" altLang="en-US"/>
           </a:p>
@@ -3336,7 +3338,7 @@
           <a:p>
             <a:fld id="{EEBD2F0E-7DCB-CC48-BEC7-2B687AF0D17A}" type="datetimeFigureOut">
               <a:rPr kumimoji="1" lang="zh-TW" altLang="en-US" smtClean="0"/>
-              <a:t>2019/6/9</a:t>
+              <a:t>2019/6/10</a:t>
             </a:fld>
             <a:endParaRPr kumimoji="1" lang="zh-TW" altLang="en-US"/>
           </a:p>
@@ -3552,7 +3554,7 @@
           <a:p>
             <a:fld id="{EEBD2F0E-7DCB-CC48-BEC7-2B687AF0D17A}" type="datetimeFigureOut">
               <a:rPr kumimoji="1" lang="zh-TW" altLang="en-US" smtClean="0"/>
-              <a:t>2019/6/9</a:t>
+              <a:t>2019/6/10</a:t>
             </a:fld>
             <a:endParaRPr kumimoji="1" lang="zh-TW" altLang="en-US"/>
           </a:p>
@@ -4227,6 +4229,104 @@
           </a:p>
         </p:txBody>
       </p:sp>
+      <p:sp>
+        <p:nvSpPr>
+          <p:cNvPr id="2" name="矩形 1"/>
+          <p:cNvSpPr/>
+          <p:nvPr/>
+        </p:nvSpPr>
+        <p:spPr>
+          <a:xfrm>
+            <a:off x="2889144" y="4892836"/>
+            <a:ext cx="6264857" cy="461665"/>
+          </a:xfrm>
+          <a:prstGeom prst="rect">
+            <a:avLst/>
+          </a:prstGeom>
+        </p:spPr>
+        <p:txBody>
+          <a:bodyPr wrap="none">
+            <a:spAutoFit/>
+          </a:bodyPr>
+          <a:lstStyle/>
+          <a:p>
+            <a:pPr>
+              <a:spcAft>
+                <a:spcPts val="600"/>
+              </a:spcAft>
+            </a:pPr>
+            <a:r>
+              <a:rPr kumimoji="1" lang="zh-TW" altLang="en-US" sz="2400" b="1" dirty="0" smtClean="0">
+                <a:solidFill>
+                  <a:schemeClr val="accent1">
+                    <a:lumMod val="75000"/>
+                  </a:schemeClr>
+                </a:solidFill>
+                <a:latin typeface="Microsoft JhengHei UI" panose="020B0604030504040204" pitchFamily="34" charset="-120"/>
+                <a:ea typeface="Microsoft JhengHei UI" panose="020B0604030504040204" pitchFamily="34" charset="-120"/>
+              </a:rPr>
+              <a:t>組員</a:t>
+            </a:r>
+            <a:r>
+              <a:rPr kumimoji="1" lang="en-US" altLang="zh-TW" sz="2400" b="1" dirty="0" smtClean="0">
+                <a:solidFill>
+                  <a:schemeClr val="accent1">
+                    <a:lumMod val="75000"/>
+                  </a:schemeClr>
+                </a:solidFill>
+                <a:latin typeface="Microsoft JhengHei UI" panose="020B0604030504040204" pitchFamily="34" charset="-120"/>
+                <a:ea typeface="Microsoft JhengHei UI" panose="020B0604030504040204" pitchFamily="34" charset="-120"/>
+              </a:rPr>
+              <a:t>:</a:t>
+            </a:r>
+            <a:r>
+              <a:rPr kumimoji="1" lang="zh-TW" altLang="en-US" sz="2400" b="1" dirty="0" smtClean="0">
+                <a:solidFill>
+                  <a:schemeClr val="accent1">
+                    <a:lumMod val="75000"/>
+                  </a:schemeClr>
+                </a:solidFill>
+                <a:latin typeface="Microsoft JhengHei UI" panose="020B0604030504040204" pitchFamily="34" charset="-120"/>
+                <a:ea typeface="Microsoft JhengHei UI" panose="020B0604030504040204" pitchFamily="34" charset="-120"/>
+              </a:rPr>
+              <a:t> 高晟 柯懷淳 楊仲 吉</a:t>
+            </a:r>
+            <a:r>
+              <a:rPr kumimoji="1" lang="zh-TW" altLang="en-US" sz="2400" b="1" dirty="0" smtClean="0">
+                <a:solidFill>
+                  <a:schemeClr val="accent1">
+                    <a:lumMod val="75000"/>
+                  </a:schemeClr>
+                </a:solidFill>
+                <a:latin typeface="Microsoft JhengHei UI" panose="020B0604030504040204" pitchFamily="34" charset="-120"/>
+                <a:ea typeface="Microsoft JhengHei UI" panose="020B0604030504040204" pitchFamily="34" charset="-120"/>
+              </a:rPr>
+              <a:t>思諭 </a:t>
+            </a:r>
+            <a:r>
+              <a:rPr kumimoji="1" lang="zh-TW" altLang="en-US" sz="2400" b="1" dirty="0" smtClean="0">
+                <a:solidFill>
+                  <a:schemeClr val="accent1">
+                    <a:lumMod val="75000"/>
+                  </a:schemeClr>
+                </a:solidFill>
+                <a:latin typeface="Microsoft JhengHei UI" panose="020B0604030504040204" pitchFamily="34" charset="-120"/>
+                <a:ea typeface="Microsoft JhengHei UI" panose="020B0604030504040204" pitchFamily="34" charset="-120"/>
+              </a:rPr>
+              <a:t>陳廷薇 張寬新</a:t>
+            </a:r>
+            <a:endParaRPr kumimoji="1" lang="en-US" altLang="zh-TW" sz="2400" b="1" dirty="0">
+              <a:solidFill>
+                <a:schemeClr val="accent1">
+                  <a:lumMod val="75000"/>
+                </a:schemeClr>
+              </a:solidFill>
+              <a:latin typeface="Microsoft JhengHei UI" panose="020B0604030504040204" pitchFamily="34" charset="-120"/>
+              <a:ea typeface="Microsoft JhengHei UI" panose="020B0604030504040204" pitchFamily="34" charset="-120"/>
+            </a:endParaRPr>
+          </a:p>
+        </p:txBody>
+      </p:sp>
     </p:spTree>
     <p:extLst>
       <p:ext uri="{BB962C8B-B14F-4D97-AF65-F5344CB8AC3E}">
@@ -4237,10 +4337,169 @@
   <p:clrMapOvr>
     <a:masterClrMapping/>
   </p:clrMapOvr>
+  <p:timing>
+    <p:tnLst>
+      <p:par>
+        <p:cTn id="1" dur="indefinite" restart="never" nodeType="tmRoot"/>
+      </p:par>
+    </p:tnLst>
+  </p:timing>
 </p:sld>
 </file>
 
 <file path=ppt/slides/slide2.xml><?xml version="1.0" encoding="utf-8"?>
+<p:sld xmlns:a="http://schemas.openxmlformats.org/drawingml/2006/main" xmlns:r="http://schemas.openxmlformats.org/officeDocument/2006/relationships" xmlns:p="http://schemas.openxmlformats.org/presentationml/2006/main">
+  <p:cSld>
+    <p:spTree>
+      <p:nvGrpSpPr>
+        <p:cNvPr id="1" name=""/>
+        <p:cNvGrpSpPr/>
+        <p:nvPr/>
+      </p:nvGrpSpPr>
+      <p:grpSpPr>
+        <a:xfrm>
+          <a:off x="0" y="0"/>
+          <a:ext cx="0" cy="0"/>
+          <a:chOff x="0" y="0"/>
+          <a:chExt cx="0" cy="0"/>
+        </a:xfrm>
+      </p:grpSpPr>
+      <p:sp>
+        <p:nvSpPr>
+          <p:cNvPr id="2" name="標題 1"/>
+          <p:cNvSpPr>
+            <a:spLocks noGrp="1"/>
+          </p:cNvSpPr>
+          <p:nvPr>
+            <p:ph type="title"/>
+          </p:nvPr>
+        </p:nvSpPr>
+        <p:spPr/>
+        <p:txBody>
+          <a:bodyPr/>
+          <a:lstStyle/>
+          <a:p>
+            <a:endParaRPr lang="zh-TW" altLang="en-US"/>
+          </a:p>
+        </p:txBody>
+      </p:sp>
+      <p:pic>
+        <p:nvPicPr>
+          <p:cNvPr id="4" name="內容版面配置區 3"/>
+          <p:cNvPicPr>
+            <a:picLocks noGrp="1" noChangeAspect="1"/>
+          </p:cNvPicPr>
+          <p:nvPr>
+            <p:ph idx="1"/>
+          </p:nvPr>
+        </p:nvPicPr>
+        <p:blipFill>
+          <a:blip r:embed="rId2">
+            <a:extLst>
+              <a:ext uri="{28A0092B-C50C-407E-A947-70E740481C1C}">
+                <a14:useLocalDpi xmlns:a14="http://schemas.microsoft.com/office/drawing/2010/main" val="0"/>
+              </a:ext>
+            </a:extLst>
+          </a:blip>
+          <a:stretch>
+            <a:fillRect/>
+          </a:stretch>
+        </p:blipFill>
+        <p:spPr>
+          <a:xfrm>
+            <a:off x="1" y="0"/>
+            <a:ext cx="12192000" cy="6886635"/>
+          </a:xfrm>
+        </p:spPr>
+      </p:pic>
+    </p:spTree>
+    <p:extLst>
+      <p:ext uri="{BB962C8B-B14F-4D97-AF65-F5344CB8AC3E}">
+        <p14:creationId xmlns:p14="http://schemas.microsoft.com/office/powerpoint/2010/main" val="1334753888"/>
+      </p:ext>
+    </p:extLst>
+  </p:cSld>
+  <p:clrMapOvr>
+    <a:masterClrMapping/>
+  </p:clrMapOvr>
+  <p:timing>
+    <p:tnLst>
+      <p:par>
+        <p:cTn id="1" dur="indefinite" restart="never" nodeType="tmRoot"/>
+      </p:par>
+    </p:tnLst>
+  </p:timing>
+</p:sld>
+</file>
+
+<file path=ppt/slides/slide3.xml><?xml version="1.0" encoding="utf-8"?>
+<p:sld xmlns:a="http://schemas.openxmlformats.org/drawingml/2006/main" xmlns:r="http://schemas.openxmlformats.org/officeDocument/2006/relationships" xmlns:p="http://schemas.openxmlformats.org/presentationml/2006/main">
+  <p:cSld>
+    <p:spTree>
+      <p:nvGrpSpPr>
+        <p:cNvPr id="1" name=""/>
+        <p:cNvGrpSpPr/>
+        <p:nvPr/>
+      </p:nvGrpSpPr>
+      <p:grpSpPr>
+        <a:xfrm>
+          <a:off x="0" y="0"/>
+          <a:ext cx="0" cy="0"/>
+          <a:chOff x="0" y="0"/>
+          <a:chExt cx="0" cy="0"/>
+        </a:xfrm>
+      </p:grpSpPr>
+      <p:pic>
+        <p:nvPicPr>
+          <p:cNvPr id="4" name="圖片 3"/>
+          <p:cNvPicPr>
+            <a:picLocks noChangeAspect="1"/>
+          </p:cNvPicPr>
+          <p:nvPr/>
+        </p:nvPicPr>
+        <p:blipFill>
+          <a:blip r:embed="rId2">
+            <a:extLst>
+              <a:ext uri="{28A0092B-C50C-407E-A947-70E740481C1C}">
+                <a14:useLocalDpi xmlns:a14="http://schemas.microsoft.com/office/drawing/2010/main" val="0"/>
+              </a:ext>
+            </a:extLst>
+          </a:blip>
+          <a:stretch>
+            <a:fillRect/>
+          </a:stretch>
+        </p:blipFill>
+        <p:spPr>
+          <a:xfrm>
+            <a:off x="0" y="0"/>
+            <a:ext cx="12192000" cy="6877576"/>
+          </a:xfrm>
+          <a:prstGeom prst="rect">
+            <a:avLst/>
+          </a:prstGeom>
+        </p:spPr>
+      </p:pic>
+    </p:spTree>
+    <p:extLst>
+      <p:ext uri="{BB962C8B-B14F-4D97-AF65-F5344CB8AC3E}">
+        <p14:creationId xmlns:p14="http://schemas.microsoft.com/office/powerpoint/2010/main" val="1906442141"/>
+      </p:ext>
+    </p:extLst>
+  </p:cSld>
+  <p:clrMapOvr>
+    <a:masterClrMapping/>
+  </p:clrMapOvr>
+  <p:timing>
+    <p:tnLst>
+      <p:par>
+        <p:cTn id="1" dur="indefinite" restart="never" nodeType="tmRoot"/>
+      </p:par>
+    </p:tnLst>
+  </p:timing>
+</p:sld>
+</file>
+
+<file path=ppt/slides/slide4.xml><?xml version="1.0" encoding="utf-8"?>
 <p:sld xmlns:a="http://schemas.openxmlformats.org/drawingml/2006/main" xmlns:r="http://schemas.openxmlformats.org/officeDocument/2006/relationships" xmlns:p="http://schemas.openxmlformats.org/presentationml/2006/main">
   <p:cSld>
     <p:spTree>
@@ -6747,7 +7006,7 @@
             <a:off x="9486900" y="3875794"/>
             <a:ext cx="1617784" cy="12700"/>
           </a:xfrm>
-          <a:prstGeom prst="straightConnector1">
+          <a:prstGeom prst="bentConnector3">
             <a:avLst/>
           </a:prstGeom>
         </p:spPr>
@@ -6786,7 +7045,7 @@
 </p:sld>
 </file>
 
-<file path=ppt/slides/slide3.xml><?xml version="1.0" encoding="utf-8"?>
+<file path=ppt/slides/slide5.xml><?xml version="1.0" encoding="utf-8"?>
 <p:sld xmlns:a="http://schemas.openxmlformats.org/drawingml/2006/main" xmlns:r="http://schemas.openxmlformats.org/officeDocument/2006/relationships" xmlns:p="http://schemas.openxmlformats.org/presentationml/2006/main">
   <p:cSld>
     <p:spTree>
@@ -7314,7 +7573,7 @@
               <a:tabLst/>
             </a:pPr>
             <a:r>
-              <a:rPr kumimoji="0" lang="zh-TW" altLang="zh-TW" sz="1000" b="0" i="1" u="none" strike="noStrike" cap="none" normalizeH="0" baseline="0" dirty="0" smtClean="0">
+              <a:rPr kumimoji="0" lang="zh-TW" altLang="zh-TW" sz="1000" b="0" i="1" u="none" strike="noStrike" cap="none" normalizeH="0" baseline="0" smtClean="0">
                 <a:ln>
                   <a:noFill/>
                 </a:ln>
@@ -7327,7 +7586,7 @@
               </a:rPr>
               <a:t>透過圖層的透明部分，可以看到下方圖層的內容。</a:t>
             </a:r>
-            <a:endParaRPr kumimoji="0" lang="zh-TW" altLang="zh-TW" sz="1200" b="0" i="0" u="none" strike="noStrike" cap="none" normalizeH="0" baseline="0" dirty="0" smtClean="0">
+            <a:endParaRPr kumimoji="0" lang="zh-TW" altLang="zh-TW" sz="1200" b="0" i="0" u="none" strike="noStrike" cap="none" normalizeH="0" baseline="0" smtClean="0">
               <a:ln>
                 <a:noFill/>
               </a:ln>
@@ -7357,7 +7616,7 @@
               <a:tabLst/>
             </a:pPr>
             <a:r>
-              <a:rPr kumimoji="0" lang="zh-TW" altLang="zh-TW" sz="1200" b="0" i="0" u="none" strike="noStrike" cap="none" normalizeH="0" baseline="0" dirty="0" smtClean="0">
+              <a:rPr kumimoji="0" lang="zh-TW" altLang="zh-TW" sz="1200" b="0" i="0" u="none" strike="noStrike" cap="none" normalizeH="0" baseline="0" smtClean="0">
                 <a:ln>
                   <a:noFill/>
                 </a:ln>
@@ -7371,7 +7630,7 @@
               <a:t/>
             </a:r>
             <a:br>
-              <a:rPr kumimoji="0" lang="zh-TW" altLang="zh-TW" sz="1200" b="0" i="0" u="none" strike="noStrike" cap="none" normalizeH="0" baseline="0" dirty="0" smtClean="0">
+              <a:rPr kumimoji="0" lang="zh-TW" altLang="zh-TW" sz="1200" b="0" i="0" u="none" strike="noStrike" cap="none" normalizeH="0" baseline="0" smtClean="0">
                 <a:ln>
                   <a:noFill/>
                 </a:ln>
@@ -7383,7 +7642,7 @@
                 <a:ea typeface="adobe-clean-han-traditional"/>
               </a:rPr>
             </a:br>
-            <a:endParaRPr kumimoji="0" lang="zh-TW" altLang="zh-TW" sz="1800" b="0" i="0" u="none" strike="noStrike" cap="none" normalizeH="0" baseline="0" dirty="0" smtClean="0">
+            <a:endParaRPr kumimoji="0" lang="zh-TW" altLang="zh-TW" sz="1800" b="0" i="0" u="none" strike="noStrike" cap="none" normalizeH="0" baseline="0" smtClean="0">
               <a:ln>
                 <a:noFill/>
               </a:ln>
@@ -8538,7 +8797,7 @@
 </p:sld>
 </file>
 
-<file path=ppt/slides/slide4.xml><?xml version="1.0" encoding="utf-8"?>
+<file path=ppt/slides/slide6.xml><?xml version="1.0" encoding="utf-8"?>
 <p:sld xmlns:a="http://schemas.openxmlformats.org/drawingml/2006/main" xmlns:r="http://schemas.openxmlformats.org/officeDocument/2006/relationships" xmlns:p="http://schemas.openxmlformats.org/presentationml/2006/main">
   <p:cSld>
     <p:spTree>
@@ -9363,7 +9622,7 @@
 </p:sld>
 </file>
 
-<file path=ppt/slides/slide5.xml><?xml version="1.0" encoding="utf-8"?>
+<file path=ppt/slides/slide7.xml><?xml version="1.0" encoding="utf-8"?>
 <p:sld xmlns:a="http://schemas.openxmlformats.org/drawingml/2006/main" xmlns:r="http://schemas.openxmlformats.org/officeDocument/2006/relationships" xmlns:p="http://schemas.openxmlformats.org/presentationml/2006/main">
   <p:cSld>
     <p:spTree>
